--- a/Конференция/Мясников_Презентация.pptx
+++ b/Конференция/Мясников_Презентация.pptx
@@ -4,6 +4,9 @@
   <p:sldMasterIdLst>
     <p:sldMasterId id="2147483964" r:id="rId1"/>
   </p:sldMasterIdLst>
+  <p:notesMasterIdLst>
+    <p:notesMasterId r:id="rId10"/>
+  </p:notesMasterIdLst>
   <p:sldIdLst>
     <p:sldId id="259" r:id="rId2"/>
     <p:sldId id="258" r:id="rId3"/>
@@ -124,7 +127,7 @@
   <pc:docChgLst>
     <pc:chgData name="Максим Мясников" userId="eb1110bc54b184a5" providerId="LiveId" clId="{F86559E5-74DA-4563-8F35-542E728138DC}"/>
     <pc:docChg chg="undo redo custSel addSld delSld modSld">
-      <pc:chgData name="Максим Мясников" userId="eb1110bc54b184a5" providerId="LiveId" clId="{F86559E5-74DA-4563-8F35-542E728138DC}" dt="2021-11-22T10:34:29.720" v="1757" actId="113"/>
+      <pc:chgData name="Максим Мясников" userId="eb1110bc54b184a5" providerId="LiveId" clId="{F86559E5-74DA-4563-8F35-542E728138DC}" dt="2021-11-23T17:14:19.175" v="1767" actId="20577"/>
       <pc:docMkLst>
         <pc:docMk/>
       </pc:docMkLst>
@@ -239,7 +242,7 @@
         </pc:picChg>
       </pc:sldChg>
       <pc:sldChg chg="addSp delSp modSp new mod">
-        <pc:chgData name="Максим Мясников" userId="eb1110bc54b184a5" providerId="LiveId" clId="{F86559E5-74DA-4563-8F35-542E728138DC}" dt="2021-11-22T10:34:02.375" v="1752" actId="1076"/>
+        <pc:chgData name="Максим Мясников" userId="eb1110bc54b184a5" providerId="LiveId" clId="{F86559E5-74DA-4563-8F35-542E728138DC}" dt="2021-11-23T17:10:54.916" v="1764" actId="20577"/>
         <pc:sldMkLst>
           <pc:docMk/>
           <pc:sldMk cId="2939144945" sldId="259"/>
@@ -253,7 +256,7 @@
           </ac:spMkLst>
         </pc:spChg>
         <pc:spChg chg="mod">
-          <ac:chgData name="Максим Мясников" userId="eb1110bc54b184a5" providerId="LiveId" clId="{F86559E5-74DA-4563-8F35-542E728138DC}" dt="2021-11-22T10:27:11.266" v="1671" actId="20577"/>
+          <ac:chgData name="Максим Мясников" userId="eb1110bc54b184a5" providerId="LiveId" clId="{F86559E5-74DA-4563-8F35-542E728138DC}" dt="2021-11-23T17:10:54.916" v="1764" actId="20577"/>
           <ac:spMkLst>
             <pc:docMk/>
             <pc:sldMk cId="2939144945" sldId="259"/>
@@ -809,7 +812,7 @@
         </pc:cxnChg>
       </pc:sldChg>
       <pc:sldChg chg="addSp delSp modSp new mod">
-        <pc:chgData name="Максим Мясников" userId="eb1110bc54b184a5" providerId="LiveId" clId="{F86559E5-74DA-4563-8F35-542E728138DC}" dt="2021-11-22T10:30:44.129" v="1750" actId="403"/>
+        <pc:chgData name="Максим Мясников" userId="eb1110bc54b184a5" providerId="LiveId" clId="{F86559E5-74DA-4563-8F35-542E728138DC}" dt="2021-11-23T17:14:19.175" v="1767" actId="20577"/>
         <pc:sldMkLst>
           <pc:docMk/>
           <pc:sldMk cId="2135338991" sldId="265"/>
@@ -823,7 +826,7 @@
           </ac:spMkLst>
         </pc:spChg>
         <pc:spChg chg="mod">
-          <ac:chgData name="Максим Мясников" userId="eb1110bc54b184a5" providerId="LiveId" clId="{F86559E5-74DA-4563-8F35-542E728138DC}" dt="2021-11-22T10:30:44.129" v="1750" actId="403"/>
+          <ac:chgData name="Максим Мясников" userId="eb1110bc54b184a5" providerId="LiveId" clId="{F86559E5-74DA-4563-8F35-542E728138DC}" dt="2021-11-23T17:14:19.175" v="1767" actId="20577"/>
           <ac:spMkLst>
             <pc:docMk/>
             <pc:sldMk cId="2135338991" sldId="265"/>
@@ -3808,6 +3811,355 @@
 </cs:chartStyle>
 </file>
 
+<file path=ppt/notesMasters/notesMaster1.xml><?xml version="1.0" encoding="utf-8"?>
+<p:notesMaster xmlns:a="http://schemas.openxmlformats.org/drawingml/2006/main" xmlns:r="http://schemas.openxmlformats.org/officeDocument/2006/relationships" xmlns:p="http://schemas.openxmlformats.org/presentationml/2006/main">
+  <p:cSld>
+    <p:bg>
+      <p:bgRef idx="1001">
+        <a:schemeClr val="bg1"/>
+      </p:bgRef>
+    </p:bg>
+    <p:spTree>
+      <p:nvGrpSpPr>
+        <p:cNvPr id="1" name=""/>
+        <p:cNvGrpSpPr/>
+        <p:nvPr/>
+      </p:nvGrpSpPr>
+      <p:grpSpPr>
+        <a:xfrm>
+          <a:off x="0" y="0"/>
+          <a:ext cx="0" cy="0"/>
+          <a:chOff x="0" y="0"/>
+          <a:chExt cx="0" cy="0"/>
+        </a:xfrm>
+      </p:grpSpPr>
+      <p:sp>
+        <p:nvSpPr>
+          <p:cNvPr id="2" name="Верхний колонтитул 1"/>
+          <p:cNvSpPr>
+            <a:spLocks noGrp="1"/>
+          </p:cNvSpPr>
+          <p:nvPr>
+            <p:ph type="hdr" sz="quarter"/>
+          </p:nvPr>
+        </p:nvSpPr>
+        <p:spPr>
+          <a:xfrm>
+            <a:off x="0" y="0"/>
+            <a:ext cx="2971800" cy="458788"/>
+          </a:xfrm>
+          <a:prstGeom prst="rect">
+            <a:avLst/>
+          </a:prstGeom>
+        </p:spPr>
+        <p:txBody>
+          <a:bodyPr vert="horz" lIns="91440" tIns="45720" rIns="91440" bIns="45720" rtlCol="0"/>
+          <a:lstStyle>
+            <a:lvl1pPr algn="l">
+              <a:defRPr sz="1200"/>
+            </a:lvl1pPr>
+          </a:lstStyle>
+          <a:p>
+            <a:endParaRPr lang="ru-RU"/>
+          </a:p>
+        </p:txBody>
+      </p:sp>
+      <p:sp>
+        <p:nvSpPr>
+          <p:cNvPr id="3" name="Дата 2"/>
+          <p:cNvSpPr>
+            <a:spLocks noGrp="1"/>
+          </p:cNvSpPr>
+          <p:nvPr>
+            <p:ph type="dt" idx="1"/>
+          </p:nvPr>
+        </p:nvSpPr>
+        <p:spPr>
+          <a:xfrm>
+            <a:off x="3884613" y="0"/>
+            <a:ext cx="2971800" cy="458788"/>
+          </a:xfrm>
+          <a:prstGeom prst="rect">
+            <a:avLst/>
+          </a:prstGeom>
+        </p:spPr>
+        <p:txBody>
+          <a:bodyPr vert="horz" lIns="91440" tIns="45720" rIns="91440" bIns="45720" rtlCol="0"/>
+          <a:lstStyle>
+            <a:lvl1pPr algn="r">
+              <a:defRPr sz="1200"/>
+            </a:lvl1pPr>
+          </a:lstStyle>
+          <a:p>
+            <a:fld id="{7A1435C1-1F25-41A5-BB89-BB2CEC64DAE8}" type="datetimeFigureOut">
+              <a:rPr lang="ru-RU" smtClean="0"/>
+              <a:t>23.11.2021</a:t>
+            </a:fld>
+            <a:endParaRPr lang="ru-RU"/>
+          </a:p>
+        </p:txBody>
+      </p:sp>
+      <p:sp>
+        <p:nvSpPr>
+          <p:cNvPr id="4" name="Образ слайда 3"/>
+          <p:cNvSpPr>
+            <a:spLocks noGrp="1" noRot="1" noChangeAspect="1"/>
+          </p:cNvSpPr>
+          <p:nvPr>
+            <p:ph type="sldImg" idx="2"/>
+          </p:nvPr>
+        </p:nvSpPr>
+        <p:spPr>
+          <a:xfrm>
+            <a:off x="685800" y="1143000"/>
+            <a:ext cx="5486400" cy="3086100"/>
+          </a:xfrm>
+          <a:prstGeom prst="rect">
+            <a:avLst/>
+          </a:prstGeom>
+          <a:noFill/>
+          <a:ln w="12700">
+            <a:solidFill>
+              <a:prstClr val="black"/>
+            </a:solidFill>
+          </a:ln>
+        </p:spPr>
+        <p:txBody>
+          <a:bodyPr vert="horz" lIns="91440" tIns="45720" rIns="91440" bIns="45720" rtlCol="0" anchor="ctr"/>
+          <a:lstStyle/>
+          <a:p>
+            <a:endParaRPr lang="ru-RU"/>
+          </a:p>
+        </p:txBody>
+      </p:sp>
+      <p:sp>
+        <p:nvSpPr>
+          <p:cNvPr id="5" name="Заметки 4"/>
+          <p:cNvSpPr>
+            <a:spLocks noGrp="1"/>
+          </p:cNvSpPr>
+          <p:nvPr>
+            <p:ph type="body" sz="quarter" idx="3"/>
+          </p:nvPr>
+        </p:nvSpPr>
+        <p:spPr>
+          <a:xfrm>
+            <a:off x="685800" y="4400550"/>
+            <a:ext cx="5486400" cy="3600450"/>
+          </a:xfrm>
+          <a:prstGeom prst="rect">
+            <a:avLst/>
+          </a:prstGeom>
+        </p:spPr>
+        <p:txBody>
+          <a:bodyPr vert="horz" lIns="91440" tIns="45720" rIns="91440" bIns="45720" rtlCol="0"/>
+          <a:lstStyle/>
+          <a:p>
+            <a:pPr lvl="0"/>
+            <a:r>
+              <a:rPr lang="ru-RU"/>
+              <a:t>Образец текста</a:t>
+            </a:r>
+          </a:p>
+          <a:p>
+            <a:pPr lvl="1"/>
+            <a:r>
+              <a:rPr lang="ru-RU"/>
+              <a:t>Второй уровень</a:t>
+            </a:r>
+          </a:p>
+          <a:p>
+            <a:pPr lvl="2"/>
+            <a:r>
+              <a:rPr lang="ru-RU"/>
+              <a:t>Третий уровень</a:t>
+            </a:r>
+          </a:p>
+          <a:p>
+            <a:pPr lvl="3"/>
+            <a:r>
+              <a:rPr lang="ru-RU"/>
+              <a:t>Четвертый уровень</a:t>
+            </a:r>
+          </a:p>
+          <a:p>
+            <a:pPr lvl="4"/>
+            <a:r>
+              <a:rPr lang="ru-RU"/>
+              <a:t>Пятый уровень</a:t>
+            </a:r>
+          </a:p>
+        </p:txBody>
+      </p:sp>
+      <p:sp>
+        <p:nvSpPr>
+          <p:cNvPr id="6" name="Нижний колонтитул 5"/>
+          <p:cNvSpPr>
+            <a:spLocks noGrp="1"/>
+          </p:cNvSpPr>
+          <p:nvPr>
+            <p:ph type="ftr" sz="quarter" idx="4"/>
+          </p:nvPr>
+        </p:nvSpPr>
+        <p:spPr>
+          <a:xfrm>
+            <a:off x="0" y="8685213"/>
+            <a:ext cx="2971800" cy="458787"/>
+          </a:xfrm>
+          <a:prstGeom prst="rect">
+            <a:avLst/>
+          </a:prstGeom>
+        </p:spPr>
+        <p:txBody>
+          <a:bodyPr vert="horz" lIns="91440" tIns="45720" rIns="91440" bIns="45720" rtlCol="0" anchor="b"/>
+          <a:lstStyle>
+            <a:lvl1pPr algn="l">
+              <a:defRPr sz="1200"/>
+            </a:lvl1pPr>
+          </a:lstStyle>
+          <a:p>
+            <a:endParaRPr lang="ru-RU"/>
+          </a:p>
+        </p:txBody>
+      </p:sp>
+      <p:sp>
+        <p:nvSpPr>
+          <p:cNvPr id="7" name="Номер слайда 6"/>
+          <p:cNvSpPr>
+            <a:spLocks noGrp="1"/>
+          </p:cNvSpPr>
+          <p:nvPr>
+            <p:ph type="sldNum" sz="quarter" idx="5"/>
+          </p:nvPr>
+        </p:nvSpPr>
+        <p:spPr>
+          <a:xfrm>
+            <a:off x="3884613" y="8685213"/>
+            <a:ext cx="2971800" cy="458787"/>
+          </a:xfrm>
+          <a:prstGeom prst="rect">
+            <a:avLst/>
+          </a:prstGeom>
+        </p:spPr>
+        <p:txBody>
+          <a:bodyPr vert="horz" lIns="91440" tIns="45720" rIns="91440" bIns="45720" rtlCol="0" anchor="b"/>
+          <a:lstStyle>
+            <a:lvl1pPr algn="r">
+              <a:defRPr sz="1200"/>
+            </a:lvl1pPr>
+          </a:lstStyle>
+          <a:p>
+            <a:fld id="{3A1736A4-3425-4AC3-9C57-E7B3013C287B}" type="slidenum">
+              <a:rPr lang="ru-RU" smtClean="0"/>
+              <a:t>‹#›</a:t>
+            </a:fld>
+            <a:endParaRPr lang="ru-RU"/>
+          </a:p>
+        </p:txBody>
+      </p:sp>
+    </p:spTree>
+    <p:extLst>
+      <p:ext uri="{BB962C8B-B14F-4D97-AF65-F5344CB8AC3E}">
+        <p14:creationId xmlns:p14="http://schemas.microsoft.com/office/powerpoint/2010/main" val="2311277330"/>
+      </p:ext>
+    </p:extLst>
+  </p:cSld>
+  <p:clrMap bg1="lt1" tx1="dk1" bg2="lt2" tx2="dk2" accent1="accent1" accent2="accent2" accent3="accent3" accent4="accent4" accent5="accent5" accent6="accent6" hlink="hlink" folHlink="folHlink"/>
+  <p:notesStyle>
+    <a:lvl1pPr marL="0" algn="l" defTabSz="914400" rtl="0" eaLnBrk="1" latinLnBrk="0" hangingPunct="1">
+      <a:defRPr sz="1200" kern="1200">
+        <a:solidFill>
+          <a:schemeClr val="tx1"/>
+        </a:solidFill>
+        <a:latin typeface="+mn-lt"/>
+        <a:ea typeface="+mn-ea"/>
+        <a:cs typeface="+mn-cs"/>
+      </a:defRPr>
+    </a:lvl1pPr>
+    <a:lvl2pPr marL="457200" algn="l" defTabSz="914400" rtl="0" eaLnBrk="1" latinLnBrk="0" hangingPunct="1">
+      <a:defRPr sz="1200" kern="1200">
+        <a:solidFill>
+          <a:schemeClr val="tx1"/>
+        </a:solidFill>
+        <a:latin typeface="+mn-lt"/>
+        <a:ea typeface="+mn-ea"/>
+        <a:cs typeface="+mn-cs"/>
+      </a:defRPr>
+    </a:lvl2pPr>
+    <a:lvl3pPr marL="914400" algn="l" defTabSz="914400" rtl="0" eaLnBrk="1" latinLnBrk="0" hangingPunct="1">
+      <a:defRPr sz="1200" kern="1200">
+        <a:solidFill>
+          <a:schemeClr val="tx1"/>
+        </a:solidFill>
+        <a:latin typeface="+mn-lt"/>
+        <a:ea typeface="+mn-ea"/>
+        <a:cs typeface="+mn-cs"/>
+      </a:defRPr>
+    </a:lvl3pPr>
+    <a:lvl4pPr marL="1371600" algn="l" defTabSz="914400" rtl="0" eaLnBrk="1" latinLnBrk="0" hangingPunct="1">
+      <a:defRPr sz="1200" kern="1200">
+        <a:solidFill>
+          <a:schemeClr val="tx1"/>
+        </a:solidFill>
+        <a:latin typeface="+mn-lt"/>
+        <a:ea typeface="+mn-ea"/>
+        <a:cs typeface="+mn-cs"/>
+      </a:defRPr>
+    </a:lvl4pPr>
+    <a:lvl5pPr marL="1828800" algn="l" defTabSz="914400" rtl="0" eaLnBrk="1" latinLnBrk="0" hangingPunct="1">
+      <a:defRPr sz="1200" kern="1200">
+        <a:solidFill>
+          <a:schemeClr val="tx1"/>
+        </a:solidFill>
+        <a:latin typeface="+mn-lt"/>
+        <a:ea typeface="+mn-ea"/>
+        <a:cs typeface="+mn-cs"/>
+      </a:defRPr>
+    </a:lvl5pPr>
+    <a:lvl6pPr marL="2286000" algn="l" defTabSz="914400" rtl="0" eaLnBrk="1" latinLnBrk="0" hangingPunct="1">
+      <a:defRPr sz="1200" kern="1200">
+        <a:solidFill>
+          <a:schemeClr val="tx1"/>
+        </a:solidFill>
+        <a:latin typeface="+mn-lt"/>
+        <a:ea typeface="+mn-ea"/>
+        <a:cs typeface="+mn-cs"/>
+      </a:defRPr>
+    </a:lvl6pPr>
+    <a:lvl7pPr marL="2743200" algn="l" defTabSz="914400" rtl="0" eaLnBrk="1" latinLnBrk="0" hangingPunct="1">
+      <a:defRPr sz="1200" kern="1200">
+        <a:solidFill>
+          <a:schemeClr val="tx1"/>
+        </a:solidFill>
+        <a:latin typeface="+mn-lt"/>
+        <a:ea typeface="+mn-ea"/>
+        <a:cs typeface="+mn-cs"/>
+      </a:defRPr>
+    </a:lvl7pPr>
+    <a:lvl8pPr marL="3200400" algn="l" defTabSz="914400" rtl="0" eaLnBrk="1" latinLnBrk="0" hangingPunct="1">
+      <a:defRPr sz="1200" kern="1200">
+        <a:solidFill>
+          <a:schemeClr val="tx1"/>
+        </a:solidFill>
+        <a:latin typeface="+mn-lt"/>
+        <a:ea typeface="+mn-ea"/>
+        <a:cs typeface="+mn-cs"/>
+      </a:defRPr>
+    </a:lvl8pPr>
+    <a:lvl9pPr marL="3657600" algn="l" defTabSz="914400" rtl="0" eaLnBrk="1" latinLnBrk="0" hangingPunct="1">
+      <a:defRPr sz="1200" kern="1200">
+        <a:solidFill>
+          <a:schemeClr val="tx1"/>
+        </a:solidFill>
+        <a:latin typeface="+mn-lt"/>
+        <a:ea typeface="+mn-ea"/>
+        <a:cs typeface="+mn-cs"/>
+      </a:defRPr>
+    </a:lvl9pPr>
+  </p:notesStyle>
+</p:notesMaster>
+</file>
+
 <file path=ppt/slideLayouts/slideLayout1.xml><?xml version="1.0" encoding="utf-8"?>
 <p:sldLayout xmlns:a="http://schemas.openxmlformats.org/drawingml/2006/main" xmlns:r="http://schemas.openxmlformats.org/officeDocument/2006/relationships" xmlns:p="http://schemas.openxmlformats.org/presentationml/2006/main" showMasterSp="0" type="title" preserve="1">
   <p:cSld name="Титульный слайд">
@@ -4528,9 +4880,9 @@
           <a:bodyPr/>
           <a:lstStyle/>
           <a:p>
-            <a:fld id="{448D8CFE-95AB-4B47-8811-40699820734D}" type="datetimeFigureOut">
+            <a:fld id="{2828849C-D399-48FE-A251-24B8C47E9712}" type="datetime1">
               <a:rPr lang="ru-RU" smtClean="0"/>
-              <a:t>22.11.2021</a:t>
+              <a:t>23.11.2021</a:t>
             </a:fld>
             <a:endParaRPr lang="ru-RU"/>
           </a:p>
@@ -4574,7 +4926,7 @@
               <a:rPr lang="ru-RU" smtClean="0"/>
               <a:t>‹#›</a:t>
             </a:fld>
-            <a:endParaRPr lang="ru-RU"/>
+            <a:endParaRPr lang="ru-RU" dirty="0"/>
           </a:p>
         </p:txBody>
       </p:sp>
@@ -4779,9 +5131,9 @@
           <a:bodyPr/>
           <a:lstStyle/>
           <a:p>
-            <a:fld id="{448D8CFE-95AB-4B47-8811-40699820734D}" type="datetimeFigureOut">
+            <a:fld id="{5A534D95-DED9-417A-B6C6-87ADE4C5EFDE}" type="datetime1">
               <a:rPr lang="ru-RU" smtClean="0"/>
-              <a:t>22.11.2021</a:t>
+              <a:t>23.11.2021</a:t>
             </a:fld>
             <a:endParaRPr lang="ru-RU"/>
           </a:p>
@@ -5093,9 +5445,9 @@
           <a:bodyPr/>
           <a:lstStyle/>
           <a:p>
-            <a:fld id="{448D8CFE-95AB-4B47-8811-40699820734D}" type="datetimeFigureOut">
+            <a:fld id="{FADDDF52-441E-49D3-B72D-2388929D5175}" type="datetime1">
               <a:rPr lang="ru-RU" smtClean="0"/>
-              <a:t>22.11.2021</a:t>
+              <a:t>23.11.2021</a:t>
             </a:fld>
             <a:endParaRPr lang="ru-RU"/>
           </a:p>
@@ -5434,9 +5786,9 @@
           <a:bodyPr/>
           <a:lstStyle/>
           <a:p>
-            <a:fld id="{448D8CFE-95AB-4B47-8811-40699820734D}" type="datetimeFigureOut">
+            <a:fld id="{FAF7462B-2663-49AC-9ED9-8EF18690B973}" type="datetime1">
               <a:rPr lang="ru-RU" smtClean="0"/>
-              <a:t>22.11.2021</a:t>
+              <a:t>23.11.2021</a:t>
             </a:fld>
             <a:endParaRPr lang="ru-RU"/>
           </a:p>
@@ -5748,9 +6100,9 @@
           <a:bodyPr/>
           <a:lstStyle/>
           <a:p>
-            <a:fld id="{448D8CFE-95AB-4B47-8811-40699820734D}" type="datetimeFigureOut">
+            <a:fld id="{73C042CC-A446-46EB-B2B6-2EC66FD77863}" type="datetime1">
               <a:rPr lang="ru-RU" smtClean="0"/>
-              <a:t>22.11.2021</a:t>
+              <a:t>23.11.2021</a:t>
             </a:fld>
             <a:endParaRPr lang="ru-RU"/>
           </a:p>
@@ -6141,9 +6493,9 @@
           <a:bodyPr/>
           <a:lstStyle/>
           <a:p>
-            <a:fld id="{448D8CFE-95AB-4B47-8811-40699820734D}" type="datetimeFigureOut">
+            <a:fld id="{4B7CBAA4-E951-4B8B-BE4B-A899914DF71E}" type="datetime1">
               <a:rPr lang="ru-RU" smtClean="0"/>
-              <a:t>22.11.2021</a:t>
+              <a:t>23.11.2021</a:t>
             </a:fld>
             <a:endParaRPr lang="ru-RU"/>
           </a:p>
@@ -6311,9 +6663,9 @@
           <a:bodyPr/>
           <a:lstStyle/>
           <a:p>
-            <a:fld id="{448D8CFE-95AB-4B47-8811-40699820734D}" type="datetimeFigureOut">
+            <a:fld id="{7516B6BA-0E56-4C25-A8EC-11C7AE01A810}" type="datetime1">
               <a:rPr lang="ru-RU" smtClean="0"/>
-              <a:t>22.11.2021</a:t>
+              <a:t>23.11.2021</a:t>
             </a:fld>
             <a:endParaRPr lang="ru-RU"/>
           </a:p>
@@ -6491,9 +6843,9 @@
           <a:bodyPr/>
           <a:lstStyle/>
           <a:p>
-            <a:fld id="{448D8CFE-95AB-4B47-8811-40699820734D}" type="datetimeFigureOut">
+            <a:fld id="{4584D400-576C-4620-894E-796DF7347E65}" type="datetime1">
               <a:rPr lang="ru-RU" smtClean="0"/>
-              <a:t>22.11.2021</a:t>
+              <a:t>23.11.2021</a:t>
             </a:fld>
             <a:endParaRPr lang="ru-RU"/>
           </a:p>
@@ -6667,9 +7019,9 @@
           <a:bodyPr/>
           <a:lstStyle/>
           <a:p>
-            <a:fld id="{448D8CFE-95AB-4B47-8811-40699820734D}" type="datetimeFigureOut">
+            <a:fld id="{0777A59C-351D-47BF-A83C-9CD6790E7E78}" type="datetime1">
               <a:rPr lang="ru-RU" smtClean="0"/>
-              <a:t>22.11.2021</a:t>
+              <a:t>23.11.2021</a:t>
             </a:fld>
             <a:endParaRPr lang="ru-RU"/>
           </a:p>
@@ -6914,9 +7266,9 @@
           <a:bodyPr/>
           <a:lstStyle/>
           <a:p>
-            <a:fld id="{448D8CFE-95AB-4B47-8811-40699820734D}" type="datetimeFigureOut">
+            <a:fld id="{A57A0E9D-24BE-4FB9-B073-D2EF845F4FCE}" type="datetime1">
               <a:rPr lang="ru-RU" smtClean="0"/>
-              <a:t>22.11.2021</a:t>
+              <a:t>23.11.2021</a:t>
             </a:fld>
             <a:endParaRPr lang="ru-RU"/>
           </a:p>
@@ -7146,9 +7498,9 @@
           <a:bodyPr/>
           <a:lstStyle/>
           <a:p>
-            <a:fld id="{448D8CFE-95AB-4B47-8811-40699820734D}" type="datetimeFigureOut">
+            <a:fld id="{2EB3CD07-A30D-4A2D-B620-B57022E2A8E5}" type="datetime1">
               <a:rPr lang="ru-RU" smtClean="0"/>
-              <a:t>22.11.2021</a:t>
+              <a:t>23.11.2021</a:t>
             </a:fld>
             <a:endParaRPr lang="ru-RU"/>
           </a:p>
@@ -7520,9 +7872,9 @@
           <a:bodyPr/>
           <a:lstStyle/>
           <a:p>
-            <a:fld id="{448D8CFE-95AB-4B47-8811-40699820734D}" type="datetimeFigureOut">
+            <a:fld id="{871FDB83-5449-46AA-B73D-CC5AAF217E91}" type="datetime1">
               <a:rPr lang="ru-RU" smtClean="0"/>
-              <a:t>22.11.2021</a:t>
+              <a:t>23.11.2021</a:t>
             </a:fld>
             <a:endParaRPr lang="ru-RU"/>
           </a:p>
@@ -7643,9 +7995,9 @@
           <a:bodyPr/>
           <a:lstStyle/>
           <a:p>
-            <a:fld id="{448D8CFE-95AB-4B47-8811-40699820734D}" type="datetimeFigureOut">
+            <a:fld id="{00101685-03EC-4E47-8F0F-2605ED6BF679}" type="datetime1">
               <a:rPr lang="ru-RU" smtClean="0"/>
-              <a:t>22.11.2021</a:t>
+              <a:t>23.11.2021</a:t>
             </a:fld>
             <a:endParaRPr lang="ru-RU"/>
           </a:p>
@@ -7738,9 +8090,9 @@
           <a:bodyPr/>
           <a:lstStyle/>
           <a:p>
-            <a:fld id="{448D8CFE-95AB-4B47-8811-40699820734D}" type="datetimeFigureOut">
+            <a:fld id="{A389CEA4-AED6-4922-8780-CCED4E0045A0}" type="datetime1">
               <a:rPr lang="ru-RU" smtClean="0"/>
-              <a:t>22.11.2021</a:t>
+              <a:t>23.11.2021</a:t>
             </a:fld>
             <a:endParaRPr lang="ru-RU"/>
           </a:p>
@@ -7993,9 +8345,9 @@
           <a:bodyPr/>
           <a:lstStyle/>
           <a:p>
-            <a:fld id="{448D8CFE-95AB-4B47-8811-40699820734D}" type="datetimeFigureOut">
+            <a:fld id="{9B6A5209-90E0-4D51-9CB2-76F43E924719}" type="datetime1">
               <a:rPr lang="ru-RU" smtClean="0"/>
-              <a:t>22.11.2021</a:t>
+              <a:t>23.11.2021</a:t>
             </a:fld>
             <a:endParaRPr lang="ru-RU"/>
           </a:p>
@@ -8256,9 +8608,9 @@
           <a:bodyPr/>
           <a:lstStyle/>
           <a:p>
-            <a:fld id="{448D8CFE-95AB-4B47-8811-40699820734D}" type="datetimeFigureOut">
+            <a:fld id="{DADE7070-D24B-4598-8950-2CF2C245F084}" type="datetime1">
               <a:rPr lang="ru-RU" smtClean="0"/>
-              <a:t>22.11.2021</a:t>
+              <a:t>23.11.2021</a:t>
             </a:fld>
             <a:endParaRPr lang="ru-RU"/>
           </a:p>
@@ -8999,9 +9351,9 @@
             </a:lvl1pPr>
           </a:lstStyle>
           <a:p>
-            <a:fld id="{448D8CFE-95AB-4B47-8811-40699820734D}" type="datetimeFigureOut">
+            <a:fld id="{4E8EBC3F-A73D-4EEC-8C52-AFECDF7CB0E3}" type="datetime1">
               <a:rPr lang="ru-RU" smtClean="0"/>
-              <a:t>22.11.2021</a:t>
+              <a:t>23.11.2021</a:t>
             </a:fld>
             <a:endParaRPr lang="ru-RU"/>
           </a:p>
@@ -9109,6 +9461,7 @@
     <p:sldLayoutId id="2147483979" r:id="rId15"/>
     <p:sldLayoutId id="2147483980" r:id="rId16"/>
   </p:sldLayoutIdLst>
+  <p:hf hdr="0" ftr="0" dt="0"/>
   <p:txStyles>
     <p:titleStyle>
       <a:lvl1pPr algn="l" defTabSz="457200" rtl="0" eaLnBrk="1" latinLnBrk="0" hangingPunct="1">
@@ -9607,7 +9960,7 @@
             </a:pPr>
             <a:r>
               <a:rPr lang="ru-RU" sz="1600" dirty="0"/>
-              <a:t>Руководители:  д.т.н. Гагарина Л.Г.</a:t>
+              <a:t>Руководители:  д.т.н., проф. Гагарина Л.Г.</a:t>
             </a:r>
           </a:p>
           <a:p>
@@ -9735,6 +10088,35 @@
               </a:rPr>
               <a:t>«Национальный исследовательский университет «МИЭТ»</a:t>
             </a:r>
+          </a:p>
+        </p:txBody>
+      </p:sp>
+      <p:sp>
+        <p:nvSpPr>
+          <p:cNvPr id="5" name="Номер слайда 4">
+            <a:extLst>
+              <a:ext uri="{FF2B5EF4-FFF2-40B4-BE49-F238E27FC236}">
+                <a16:creationId xmlns:a16="http://schemas.microsoft.com/office/drawing/2014/main" id="{C4B4CC3F-3816-4DE1-B8EC-55CAB5718786}"/>
+              </a:ext>
+            </a:extLst>
+          </p:cNvPr>
+          <p:cNvSpPr>
+            <a:spLocks noGrp="1"/>
+          </p:cNvSpPr>
+          <p:nvPr>
+            <p:ph type="sldNum" sz="quarter" idx="12"/>
+          </p:nvPr>
+        </p:nvSpPr>
+        <p:spPr/>
+        <p:txBody>
+          <a:bodyPr/>
+          <a:lstStyle/>
+          <a:p>
+            <a:fld id="{E4F671EC-0DDC-46BC-BBA2-1AC00339C8C3}" type="slidenum">
+              <a:rPr lang="ru-RU" smtClean="0"/>
+              <a:t>1</a:t>
+            </a:fld>
+            <a:endParaRPr lang="ru-RU" dirty="0"/>
           </a:p>
         </p:txBody>
       </p:sp>
@@ -9892,6 +10274,35 @@
           </a:graphicData>
         </a:graphic>
       </p:graphicFrame>
+      <p:sp>
+        <p:nvSpPr>
+          <p:cNvPr id="4" name="Номер слайда 3">
+            <a:extLst>
+              <a:ext uri="{FF2B5EF4-FFF2-40B4-BE49-F238E27FC236}">
+                <a16:creationId xmlns:a16="http://schemas.microsoft.com/office/drawing/2014/main" id="{B35FB97C-C1BC-4F47-AD7D-035C1F6988BA}"/>
+              </a:ext>
+            </a:extLst>
+          </p:cNvPr>
+          <p:cNvSpPr>
+            <a:spLocks noGrp="1"/>
+          </p:cNvSpPr>
+          <p:nvPr>
+            <p:ph type="sldNum" sz="quarter" idx="12"/>
+          </p:nvPr>
+        </p:nvSpPr>
+        <p:spPr/>
+        <p:txBody>
+          <a:bodyPr/>
+          <a:lstStyle/>
+          <a:p>
+            <a:fld id="{E4F671EC-0DDC-46BC-BBA2-1AC00339C8C3}" type="slidenum">
+              <a:rPr lang="ru-RU" smtClean="0"/>
+              <a:t>2</a:t>
+            </a:fld>
+            <a:endParaRPr lang="ru-RU"/>
+          </a:p>
+        </p:txBody>
+      </p:sp>
     </p:spTree>
     <p:extLst>
       <p:ext uri="{BB962C8B-B14F-4D97-AF65-F5344CB8AC3E}">
@@ -10016,6 +10427,35 @@
           </a:graphicData>
         </a:graphic>
       </p:graphicFrame>
+      <p:sp>
+        <p:nvSpPr>
+          <p:cNvPr id="4" name="Номер слайда 3">
+            <a:extLst>
+              <a:ext uri="{FF2B5EF4-FFF2-40B4-BE49-F238E27FC236}">
+                <a16:creationId xmlns:a16="http://schemas.microsoft.com/office/drawing/2014/main" id="{EC4DFF10-8867-4B7D-AD2D-3C787D2FDA30}"/>
+              </a:ext>
+            </a:extLst>
+          </p:cNvPr>
+          <p:cNvSpPr>
+            <a:spLocks noGrp="1"/>
+          </p:cNvSpPr>
+          <p:nvPr>
+            <p:ph type="sldNum" sz="quarter" idx="12"/>
+          </p:nvPr>
+        </p:nvSpPr>
+        <p:spPr/>
+        <p:txBody>
+          <a:bodyPr/>
+          <a:lstStyle/>
+          <a:p>
+            <a:fld id="{E4F671EC-0DDC-46BC-BBA2-1AC00339C8C3}" type="slidenum">
+              <a:rPr lang="ru-RU" smtClean="0"/>
+              <a:t>3</a:t>
+            </a:fld>
+            <a:endParaRPr lang="ru-RU"/>
+          </a:p>
+        </p:txBody>
+      </p:sp>
     </p:spTree>
     <p:extLst>
       <p:ext uri="{BB962C8B-B14F-4D97-AF65-F5344CB8AC3E}">
@@ -11419,6 +11859,35 @@
           </a:extLst>
         </p:spPr>
       </p:pic>
+      <p:sp>
+        <p:nvSpPr>
+          <p:cNvPr id="4" name="Номер слайда 3">
+            <a:extLst>
+              <a:ext uri="{FF2B5EF4-FFF2-40B4-BE49-F238E27FC236}">
+                <a16:creationId xmlns:a16="http://schemas.microsoft.com/office/drawing/2014/main" id="{3546C336-548C-4FEE-9507-8F914D0A33EF}"/>
+              </a:ext>
+            </a:extLst>
+          </p:cNvPr>
+          <p:cNvSpPr>
+            <a:spLocks noGrp="1"/>
+          </p:cNvSpPr>
+          <p:nvPr>
+            <p:ph type="sldNum" sz="quarter" idx="12"/>
+          </p:nvPr>
+        </p:nvSpPr>
+        <p:spPr/>
+        <p:txBody>
+          <a:bodyPr/>
+          <a:lstStyle/>
+          <a:p>
+            <a:fld id="{E4F671EC-0DDC-46BC-BBA2-1AC00339C8C3}" type="slidenum">
+              <a:rPr lang="ru-RU" smtClean="0"/>
+              <a:t>4</a:t>
+            </a:fld>
+            <a:endParaRPr lang="ru-RU"/>
+          </a:p>
+        </p:txBody>
+      </p:sp>
     </p:spTree>
     <p:extLst>
       <p:ext uri="{BB962C8B-B14F-4D97-AF65-F5344CB8AC3E}">
@@ -12559,6 +13028,35 @@
           </a:fontRef>
         </p:style>
       </p:cxnSp>
+      <p:sp>
+        <p:nvSpPr>
+          <p:cNvPr id="3" name="Номер слайда 2">
+            <a:extLst>
+              <a:ext uri="{FF2B5EF4-FFF2-40B4-BE49-F238E27FC236}">
+                <a16:creationId xmlns:a16="http://schemas.microsoft.com/office/drawing/2014/main" id="{FF031460-2097-41A5-9602-233CCF4F3333}"/>
+              </a:ext>
+            </a:extLst>
+          </p:cNvPr>
+          <p:cNvSpPr>
+            <a:spLocks noGrp="1"/>
+          </p:cNvSpPr>
+          <p:nvPr>
+            <p:ph type="sldNum" sz="quarter" idx="12"/>
+          </p:nvPr>
+        </p:nvSpPr>
+        <p:spPr/>
+        <p:txBody>
+          <a:bodyPr/>
+          <a:lstStyle/>
+          <a:p>
+            <a:fld id="{E4F671EC-0DDC-46BC-BBA2-1AC00339C8C3}" type="slidenum">
+              <a:rPr lang="ru-RU" smtClean="0"/>
+              <a:t>5</a:t>
+            </a:fld>
+            <a:endParaRPr lang="ru-RU" dirty="0"/>
+          </a:p>
+        </p:txBody>
+      </p:sp>
     </p:spTree>
     <p:extLst>
       <p:ext uri="{BB962C8B-B14F-4D97-AF65-F5344CB8AC3E}">
@@ -13352,6 +13850,35 @@
           </a:fontRef>
         </p:style>
       </p:cxnSp>
+      <p:sp>
+        <p:nvSpPr>
+          <p:cNvPr id="2" name="Номер слайда 1">
+            <a:extLst>
+              <a:ext uri="{FF2B5EF4-FFF2-40B4-BE49-F238E27FC236}">
+                <a16:creationId xmlns:a16="http://schemas.microsoft.com/office/drawing/2014/main" id="{5A4EBAB8-2A36-49D4-8652-D126908B61E9}"/>
+              </a:ext>
+            </a:extLst>
+          </p:cNvPr>
+          <p:cNvSpPr>
+            <a:spLocks noGrp="1"/>
+          </p:cNvSpPr>
+          <p:nvPr>
+            <p:ph type="sldNum" sz="quarter" idx="12"/>
+          </p:nvPr>
+        </p:nvSpPr>
+        <p:spPr/>
+        <p:txBody>
+          <a:bodyPr/>
+          <a:lstStyle/>
+          <a:p>
+            <a:fld id="{E4F671EC-0DDC-46BC-BBA2-1AC00339C8C3}" type="slidenum">
+              <a:rPr lang="ru-RU" smtClean="0"/>
+              <a:t>6</a:t>
+            </a:fld>
+            <a:endParaRPr lang="ru-RU"/>
+          </a:p>
+        </p:txBody>
+      </p:sp>
     </p:spTree>
     <p:extLst>
       <p:ext uri="{BB962C8B-B14F-4D97-AF65-F5344CB8AC3E}">
@@ -13704,6 +14231,35 @@
           </a:effectLst>
         </p:spPr>
       </p:pic>
+      <p:sp>
+        <p:nvSpPr>
+          <p:cNvPr id="2" name="Номер слайда 1">
+            <a:extLst>
+              <a:ext uri="{FF2B5EF4-FFF2-40B4-BE49-F238E27FC236}">
+                <a16:creationId xmlns:a16="http://schemas.microsoft.com/office/drawing/2014/main" id="{C7A6B1F9-F2FA-46AA-AFBE-145C3408CF78}"/>
+              </a:ext>
+            </a:extLst>
+          </p:cNvPr>
+          <p:cNvSpPr>
+            <a:spLocks noGrp="1"/>
+          </p:cNvSpPr>
+          <p:nvPr>
+            <p:ph type="sldNum" sz="quarter" idx="12"/>
+          </p:nvPr>
+        </p:nvSpPr>
+        <p:spPr/>
+        <p:txBody>
+          <a:bodyPr/>
+          <a:lstStyle/>
+          <a:p>
+            <a:fld id="{E4F671EC-0DDC-46BC-BBA2-1AC00339C8C3}" type="slidenum">
+              <a:rPr lang="ru-RU" smtClean="0"/>
+              <a:t>7</a:t>
+            </a:fld>
+            <a:endParaRPr lang="ru-RU"/>
+          </a:p>
+        </p:txBody>
+      </p:sp>
     </p:spTree>
     <p:extLst>
       <p:ext uri="{BB962C8B-B14F-4D97-AF65-F5344CB8AC3E}">
@@ -13802,7 +14358,7 @@
           <a:p>
             <a:r>
               <a:rPr lang="ru-RU" sz="2400" dirty="0"/>
-              <a:t>Реализация работы с почтовыми серверами с помощью протоколов </a:t>
+              <a:t>реализация работы с почтовыми серверами с помощью протоколов </a:t>
             </a:r>
             <a:r>
               <a:rPr lang="en-US" sz="2400" dirty="0"/>
@@ -13820,9 +14376,42 @@
           </a:p>
           <a:p>
             <a:r>
+              <a:rPr lang="ru-RU" sz="2400"/>
+              <a:t>использование </a:t>
+            </a:r>
+            <a:r>
               <a:rPr lang="ru-RU" sz="2400" dirty="0"/>
-              <a:t>Использованием двухфакторной аутентификации пользователей;</a:t>
+              <a:t>двухфакторной аутентификации пользователей;</a:t>
             </a:r>
+          </a:p>
+        </p:txBody>
+      </p:sp>
+      <p:sp>
+        <p:nvSpPr>
+          <p:cNvPr id="4" name="Номер слайда 3">
+            <a:extLst>
+              <a:ext uri="{FF2B5EF4-FFF2-40B4-BE49-F238E27FC236}">
+                <a16:creationId xmlns:a16="http://schemas.microsoft.com/office/drawing/2014/main" id="{EF49CB75-2D1B-400B-B475-FED1DE4C1649}"/>
+              </a:ext>
+            </a:extLst>
+          </p:cNvPr>
+          <p:cNvSpPr>
+            <a:spLocks noGrp="1"/>
+          </p:cNvSpPr>
+          <p:nvPr>
+            <p:ph type="sldNum" sz="quarter" idx="12"/>
+          </p:nvPr>
+        </p:nvSpPr>
+        <p:spPr/>
+        <p:txBody>
+          <a:bodyPr/>
+          <a:lstStyle/>
+          <a:p>
+            <a:fld id="{E4F671EC-0DDC-46BC-BBA2-1AC00339C8C3}" type="slidenum">
+              <a:rPr lang="ru-RU" smtClean="0"/>
+              <a:t>8</a:t>
+            </a:fld>
+            <a:endParaRPr lang="ru-RU"/>
           </a:p>
         </p:txBody>
       </p:sp>
@@ -14094,4 +14683,299 @@
     </a:ext>
   </a:extLst>
 </a:theme>
+</file>
+
+<file path=ppt/theme/theme2.xml><?xml version="1.0" encoding="utf-8"?>
+<a:theme xmlns:a="http://schemas.openxmlformats.org/drawingml/2006/main" name="Тема Office">
+  <a:themeElements>
+    <a:clrScheme name="Стандартная">
+      <a:dk1>
+        <a:sysClr val="windowText" lastClr="000000"/>
+      </a:dk1>
+      <a:lt1>
+        <a:sysClr val="window" lastClr="FFFFFF"/>
+      </a:lt1>
+      <a:dk2>
+        <a:srgbClr val="44546A"/>
+      </a:dk2>
+      <a:lt2>
+        <a:srgbClr val="E7E6E6"/>
+      </a:lt2>
+      <a:accent1>
+        <a:srgbClr val="4472C4"/>
+      </a:accent1>
+      <a:accent2>
+        <a:srgbClr val="ED7D31"/>
+      </a:accent2>
+      <a:accent3>
+        <a:srgbClr val="A5A5A5"/>
+      </a:accent3>
+      <a:accent4>
+        <a:srgbClr val="FFC000"/>
+      </a:accent4>
+      <a:accent5>
+        <a:srgbClr val="5B9BD5"/>
+      </a:accent5>
+      <a:accent6>
+        <a:srgbClr val="70AD47"/>
+      </a:accent6>
+      <a:hlink>
+        <a:srgbClr val="0563C1"/>
+      </a:hlink>
+      <a:folHlink>
+        <a:srgbClr val="954F72"/>
+      </a:folHlink>
+    </a:clrScheme>
+    <a:fontScheme name="Стандартная">
+      <a:majorFont>
+        <a:latin typeface="Calibri Light" panose="020F0302020204030204"/>
+        <a:ea typeface=""/>
+        <a:cs typeface=""/>
+        <a:font script="Jpan" typeface="游ゴシック Light"/>
+        <a:font script="Hang" typeface="맑은 고딕"/>
+        <a:font script="Hans" typeface="等线 Light"/>
+        <a:font script="Hant" typeface="新細明體"/>
+        <a:font script="Arab" typeface="Times New Roman"/>
+        <a:font script="Hebr" typeface="Times New Roman"/>
+        <a:font script="Thai" typeface="Angsana New"/>
+        <a:font script="Ethi" typeface="Nyala"/>
+        <a:font script="Beng" typeface="Vrinda"/>
+        <a:font script="Gujr" typeface="Shruti"/>
+        <a:font script="Khmr" typeface="MoolBoran"/>
+        <a:font script="Knda" typeface="Tunga"/>
+        <a:font script="Guru" typeface="Raavi"/>
+        <a:font script="Cans" typeface="Euphemia"/>
+        <a:font script="Cher" typeface="Plantagenet Cherokee"/>
+        <a:font script="Yiii" typeface="Microsoft Yi Baiti"/>
+        <a:font script="Tibt" typeface="Microsoft Himalaya"/>
+        <a:font script="Thaa" typeface="MV Boli"/>
+        <a:font script="Deva" typeface="Mangal"/>
+        <a:font script="Telu" typeface="Gautami"/>
+        <a:font script="Taml" typeface="Latha"/>
+        <a:font script="Syrc" typeface="Estrangelo Edessa"/>
+        <a:font script="Orya" typeface="Kalinga"/>
+        <a:font script="Mlym" typeface="Kartika"/>
+        <a:font script="Laoo" typeface="DokChampa"/>
+        <a:font script="Sinh" typeface="Iskoola Pota"/>
+        <a:font script="Mong" typeface="Mongolian Baiti"/>
+        <a:font script="Viet" typeface="Times New Roman"/>
+        <a:font script="Uigh" typeface="Microsoft Uighur"/>
+        <a:font script="Geor" typeface="Sylfaen"/>
+        <a:font script="Armn" typeface="Arial"/>
+        <a:font script="Bugi" typeface="Leelawadee UI"/>
+        <a:font script="Bopo" typeface="Microsoft JhengHei"/>
+        <a:font script="Java" typeface="Javanese Text"/>
+        <a:font script="Lisu" typeface="Segoe UI"/>
+        <a:font script="Mymr" typeface="Myanmar Text"/>
+        <a:font script="Nkoo" typeface="Ebrima"/>
+        <a:font script="Olck" typeface="Nirmala UI"/>
+        <a:font script="Osma" typeface="Ebrima"/>
+        <a:font script="Phag" typeface="Phagspa"/>
+        <a:font script="Syrn" typeface="Estrangelo Edessa"/>
+        <a:font script="Syrj" typeface="Estrangelo Edessa"/>
+        <a:font script="Syre" typeface="Estrangelo Edessa"/>
+        <a:font script="Sora" typeface="Nirmala UI"/>
+        <a:font script="Tale" typeface="Microsoft Tai Le"/>
+        <a:font script="Talu" typeface="Microsoft New Tai Lue"/>
+        <a:font script="Tfng" typeface="Ebrima"/>
+      </a:majorFont>
+      <a:minorFont>
+        <a:latin typeface="Calibri" panose="020F0502020204030204"/>
+        <a:ea typeface=""/>
+        <a:cs typeface=""/>
+        <a:font script="Jpan" typeface="游ゴシック"/>
+        <a:font script="Hang" typeface="맑은 고딕"/>
+        <a:font script="Hans" typeface="等线"/>
+        <a:font script="Hant" typeface="新細明體"/>
+        <a:font script="Arab" typeface="Arial"/>
+        <a:font script="Hebr" typeface="Arial"/>
+        <a:font script="Thai" typeface="Cordia New"/>
+        <a:font script="Ethi" typeface="Nyala"/>
+        <a:font script="Beng" typeface="Vrinda"/>
+        <a:font script="Gujr" typeface="Shruti"/>
+        <a:font script="Khmr" typeface="DaunPenh"/>
+        <a:font script="Knda" typeface="Tunga"/>
+        <a:font script="Guru" typeface="Raavi"/>
+        <a:font script="Cans" typeface="Euphemia"/>
+        <a:font script="Cher" typeface="Plantagenet Cherokee"/>
+        <a:font script="Yiii" typeface="Microsoft Yi Baiti"/>
+        <a:font script="Tibt" typeface="Microsoft Himalaya"/>
+        <a:font script="Thaa" typeface="MV Boli"/>
+        <a:font script="Deva" typeface="Mangal"/>
+        <a:font script="Telu" typeface="Gautami"/>
+        <a:font script="Taml" typeface="Latha"/>
+        <a:font script="Syrc" typeface="Estrangelo Edessa"/>
+        <a:font script="Orya" typeface="Kalinga"/>
+        <a:font script="Mlym" typeface="Kartika"/>
+        <a:font script="Laoo" typeface="DokChampa"/>
+        <a:font script="Sinh" typeface="Iskoola Pota"/>
+        <a:font script="Mong" typeface="Mongolian Baiti"/>
+        <a:font script="Viet" typeface="Arial"/>
+        <a:font script="Uigh" typeface="Microsoft Uighur"/>
+        <a:font script="Geor" typeface="Sylfaen"/>
+        <a:font script="Armn" typeface="Arial"/>
+        <a:font script="Bugi" typeface="Leelawadee UI"/>
+        <a:font script="Bopo" typeface="Microsoft JhengHei"/>
+        <a:font script="Java" typeface="Javanese Text"/>
+        <a:font script="Lisu" typeface="Segoe UI"/>
+        <a:font script="Mymr" typeface="Myanmar Text"/>
+        <a:font script="Nkoo" typeface="Ebrima"/>
+        <a:font script="Olck" typeface="Nirmala UI"/>
+        <a:font script="Osma" typeface="Ebrima"/>
+        <a:font script="Phag" typeface="Phagspa"/>
+        <a:font script="Syrn" typeface="Estrangelo Edessa"/>
+        <a:font script="Syrj" typeface="Estrangelo Edessa"/>
+        <a:font script="Syre" typeface="Estrangelo Edessa"/>
+        <a:font script="Sora" typeface="Nirmala UI"/>
+        <a:font script="Tale" typeface="Microsoft Tai Le"/>
+        <a:font script="Talu" typeface="Microsoft New Tai Lue"/>
+        <a:font script="Tfng" typeface="Ebrima"/>
+      </a:minorFont>
+    </a:fontScheme>
+    <a:fmtScheme name="Стандартная">
+      <a:fillStyleLst>
+        <a:solidFill>
+          <a:schemeClr val="phClr"/>
+        </a:solidFill>
+        <a:gradFill rotWithShape="1">
+          <a:gsLst>
+            <a:gs pos="0">
+              <a:schemeClr val="phClr">
+                <a:lumMod val="110000"/>
+                <a:satMod val="105000"/>
+                <a:tint val="67000"/>
+              </a:schemeClr>
+            </a:gs>
+            <a:gs pos="50000">
+              <a:schemeClr val="phClr">
+                <a:lumMod val="105000"/>
+                <a:satMod val="103000"/>
+                <a:tint val="73000"/>
+              </a:schemeClr>
+            </a:gs>
+            <a:gs pos="100000">
+              <a:schemeClr val="phClr">
+                <a:lumMod val="105000"/>
+                <a:satMod val="109000"/>
+                <a:tint val="81000"/>
+              </a:schemeClr>
+            </a:gs>
+          </a:gsLst>
+          <a:lin ang="5400000" scaled="0"/>
+        </a:gradFill>
+        <a:gradFill rotWithShape="1">
+          <a:gsLst>
+            <a:gs pos="0">
+              <a:schemeClr val="phClr">
+                <a:satMod val="103000"/>
+                <a:lumMod val="102000"/>
+                <a:tint val="94000"/>
+              </a:schemeClr>
+            </a:gs>
+            <a:gs pos="50000">
+              <a:schemeClr val="phClr">
+                <a:satMod val="110000"/>
+                <a:lumMod val="100000"/>
+                <a:shade val="100000"/>
+              </a:schemeClr>
+            </a:gs>
+            <a:gs pos="100000">
+              <a:schemeClr val="phClr">
+                <a:lumMod val="99000"/>
+                <a:satMod val="120000"/>
+                <a:shade val="78000"/>
+              </a:schemeClr>
+            </a:gs>
+          </a:gsLst>
+          <a:lin ang="5400000" scaled="0"/>
+        </a:gradFill>
+      </a:fillStyleLst>
+      <a:lnStyleLst>
+        <a:ln w="6350" cap="flat" cmpd="sng" algn="ctr">
+          <a:solidFill>
+            <a:schemeClr val="phClr"/>
+          </a:solidFill>
+          <a:prstDash val="solid"/>
+          <a:miter lim="800000"/>
+        </a:ln>
+        <a:ln w="12700" cap="flat" cmpd="sng" algn="ctr">
+          <a:solidFill>
+            <a:schemeClr val="phClr"/>
+          </a:solidFill>
+          <a:prstDash val="solid"/>
+          <a:miter lim="800000"/>
+        </a:ln>
+        <a:ln w="19050" cap="flat" cmpd="sng" algn="ctr">
+          <a:solidFill>
+            <a:schemeClr val="phClr"/>
+          </a:solidFill>
+          <a:prstDash val="solid"/>
+          <a:miter lim="800000"/>
+        </a:ln>
+      </a:lnStyleLst>
+      <a:effectStyleLst>
+        <a:effectStyle>
+          <a:effectLst/>
+        </a:effectStyle>
+        <a:effectStyle>
+          <a:effectLst/>
+        </a:effectStyle>
+        <a:effectStyle>
+          <a:effectLst>
+            <a:outerShdw blurRad="57150" dist="19050" dir="5400000" algn="ctr" rotWithShape="0">
+              <a:srgbClr val="000000">
+                <a:alpha val="63000"/>
+              </a:srgbClr>
+            </a:outerShdw>
+          </a:effectLst>
+        </a:effectStyle>
+      </a:effectStyleLst>
+      <a:bgFillStyleLst>
+        <a:solidFill>
+          <a:schemeClr val="phClr"/>
+        </a:solidFill>
+        <a:solidFill>
+          <a:schemeClr val="phClr">
+            <a:tint val="95000"/>
+            <a:satMod val="170000"/>
+          </a:schemeClr>
+        </a:solidFill>
+        <a:gradFill rotWithShape="1">
+          <a:gsLst>
+            <a:gs pos="0">
+              <a:schemeClr val="phClr">
+                <a:tint val="93000"/>
+                <a:satMod val="150000"/>
+                <a:shade val="98000"/>
+                <a:lumMod val="102000"/>
+              </a:schemeClr>
+            </a:gs>
+            <a:gs pos="50000">
+              <a:schemeClr val="phClr">
+                <a:tint val="98000"/>
+                <a:satMod val="130000"/>
+                <a:shade val="90000"/>
+                <a:lumMod val="103000"/>
+              </a:schemeClr>
+            </a:gs>
+            <a:gs pos="100000">
+              <a:schemeClr val="phClr">
+                <a:shade val="63000"/>
+                <a:satMod val="120000"/>
+              </a:schemeClr>
+            </a:gs>
+          </a:gsLst>
+          <a:lin ang="5400000" scaled="0"/>
+        </a:gradFill>
+      </a:bgFillStyleLst>
+    </a:fmtScheme>
+  </a:themeElements>
+  <a:objectDefaults/>
+  <a:extraClrSchemeLst/>
+  <a:extLst>
+    <a:ext uri="{05A4C25C-085E-4340-85A3-A5531E510DB2}">
+      <thm15:themeFamily xmlns:thm15="http://schemas.microsoft.com/office/thememl/2012/main" name="Office Theme" id="{62F939B6-93AF-4DB8-9C6B-D6C7DFDC589F}" vid="{4A3C46E8-61CC-4603-A589-7422A47A8E4A}"/>
+    </a:ext>
+  </a:extLst>
+</a:theme>
 </file>